--- a/docs/ws5.pptx
+++ b/docs/ws5.pptx
@@ -1633,7 +1633,15 @@
         <p:spPr/>
         <p:txBody>
           <a:bodyPr/>
-          <a:lstStyle/>
+          <a:lstStyle>
+            <a:lvl1pPr>
+              <a:defRPr sz="2000" b="1">
+                <a:solidFill>
+                  <a:srgbClr val="0070C0"/>
+                </a:solidFill>
+              </a:defRPr>
+            </a:lvl1pPr>
+          </a:lstStyle>
           <a:p>
             <a:endParaRPr lang="en-US" dirty="0"/>
           </a:p>
@@ -2596,7 +2604,15 @@
         <p:spPr/>
         <p:txBody>
           <a:bodyPr/>
-          <a:lstStyle/>
+          <a:lstStyle>
+            <a:lvl1pPr>
+              <a:defRPr sz="2000">
+                <a:solidFill>
+                  <a:srgbClr val="0070C0"/>
+                </a:solidFill>
+              </a:defRPr>
+            </a:lvl1pPr>
+          </a:lstStyle>
           <a:p>
             <a:endParaRPr lang="en-US"/>
           </a:p>
@@ -3857,14 +3873,14 @@
           <a:lstStyle/>
           <a:p>
             <a:r>
-              <a:rPr lang="en-US" dirty="0" smtClean="0">
+              <a:rPr lang="en-US" b="1" dirty="0" smtClean="0">
                 <a:solidFill>
                   <a:srgbClr val="FF0000"/>
                 </a:solidFill>
               </a:rPr>
               <a:t>ROUTING AN EXPRESS APP</a:t>
             </a:r>
-            <a:endParaRPr lang="en-US" dirty="0">
+            <a:endParaRPr lang="en-US" b="1" dirty="0">
               <a:solidFill>
                 <a:srgbClr val="FF0000"/>
               </a:solidFill>
@@ -3925,14 +3941,14 @@
           <a:lstStyle/>
           <a:p>
             <a:r>
-              <a:rPr lang="en-US" dirty="0" smtClean="0">
+              <a:rPr lang="en-US" b="1" dirty="0" smtClean="0">
                 <a:solidFill>
                   <a:srgbClr val="FF0000"/>
                 </a:solidFill>
               </a:rPr>
               <a:t>Route paths</a:t>
             </a:r>
-            <a:endParaRPr lang="en-US" dirty="0">
+            <a:endParaRPr lang="en-US" b="1" dirty="0">
               <a:solidFill>
                 <a:srgbClr val="FF0000"/>
               </a:solidFill>
@@ -4007,6 +4023,18 @@
           <a:bodyPr/>
           <a:lstStyle/>
           <a:p>
+            <a:r>
+              <a:rPr lang="en-US" dirty="0" err="1"/>
+              <a:t>Bhavani</a:t>
+            </a:r>
+            <a:r>
+              <a:rPr lang="en-US" dirty="0"/>
+              <a:t> </a:t>
+            </a:r>
+            <a:r>
+              <a:rPr lang="en-US" dirty="0" err="1" smtClean="0"/>
+              <a:t>Pathuri</a:t>
+            </a:r>
             <a:endParaRPr lang="en-US" dirty="0"/>
           </a:p>
         </p:txBody>
@@ -4088,14 +4116,14 @@
           <a:lstStyle/>
           <a:p>
             <a:r>
-              <a:rPr lang="en-US" dirty="0" smtClean="0">
+              <a:rPr lang="en-US" b="1" dirty="0" smtClean="0">
                 <a:solidFill>
                   <a:srgbClr val="FF0000"/>
                 </a:solidFill>
               </a:rPr>
               <a:t>Defining Separate route modules</a:t>
             </a:r>
-            <a:endParaRPr lang="en-US" dirty="0">
+            <a:endParaRPr lang="en-US" b="1" dirty="0">
               <a:solidFill>
                 <a:srgbClr val="FF0000"/>
               </a:solidFill>
@@ -4124,11 +4152,7 @@
               <a:buNone/>
             </a:pPr>
             <a:r>
-              <a:rPr lang="en-US" dirty="0" err="1" smtClean="0">
-                <a:solidFill>
-                  <a:srgbClr val="0070C0"/>
-                </a:solidFill>
-              </a:rPr>
+              <a:rPr lang="en-US" dirty="0" err="1" smtClean="0"/>
               <a:t>const</a:t>
             </a:r>
             <a:r>
@@ -4136,42 +4160,8 @@
               <a:t> </a:t>
             </a:r>
             <a:r>
-              <a:rPr lang="en-US" dirty="0">
-                <a:solidFill>
-                  <a:schemeClr val="accent1">
-                    <a:lumMod val="50000"/>
-                  </a:schemeClr>
-                </a:solidFill>
-              </a:rPr>
-              <a:t>express</a:t>
-            </a:r>
-            <a:r>
               <a:rPr lang="en-US" dirty="0"/>
-              <a:t> </a:t>
-            </a:r>
-            <a:r>
-              <a:rPr lang="en-US" dirty="0">
-                <a:solidFill>
-                  <a:schemeClr val="accent4"/>
-                </a:solidFill>
-              </a:rPr>
-              <a:t>= require</a:t>
-            </a:r>
-            <a:r>
-              <a:rPr lang="en-US" dirty="0"/>
-              <a:t>(</a:t>
-            </a:r>
-            <a:r>
-              <a:rPr lang="en-US" dirty="0">
-                <a:solidFill>
-                  <a:schemeClr val="accent2"/>
-                </a:solidFill>
-              </a:rPr>
-              <a:t>'express'</a:t>
-            </a:r>
-            <a:r>
-              <a:rPr lang="en-US" dirty="0"/>
-              <a:t>)</a:t>
+              <a:t>express = require('express')</a:t>
             </a:r>
           </a:p>
           <a:p>
@@ -4179,11 +4169,7 @@
               <a:buNone/>
             </a:pPr>
             <a:r>
-              <a:rPr lang="en-US" dirty="0" err="1" smtClean="0">
-                <a:solidFill>
-                  <a:srgbClr val="0070C0"/>
-                </a:solidFill>
-              </a:rPr>
+              <a:rPr lang="en-US" dirty="0" err="1" smtClean="0"/>
               <a:t>const</a:t>
             </a:r>
             <a:r>
@@ -4191,95 +4177,33 @@
               <a:t> </a:t>
             </a:r>
             <a:r>
-              <a:rPr lang="en-US" dirty="0">
-                <a:solidFill>
-                  <a:schemeClr val="accent1">
-                    <a:lumMod val="50000"/>
-                  </a:schemeClr>
-                </a:solidFill>
-              </a:rPr>
-              <a:t>app</a:t>
-            </a:r>
-            <a:r>
               <a:rPr lang="en-US" dirty="0"/>
-              <a:t> </a:t>
-            </a:r>
-            <a:r>
-              <a:rPr lang="en-US" dirty="0">
-                <a:solidFill>
-                  <a:schemeClr val="accent4"/>
-                </a:solidFill>
-              </a:rPr>
-              <a:t>= express</a:t>
+              <a:t>app = express()</a:t>
+            </a:r>
+          </a:p>
+          <a:p>
+            <a:pPr marL="0" indent="0">
+              <a:buNone/>
+            </a:pPr>
+            <a:r>
+              <a:rPr lang="en-US" dirty="0" err="1" smtClean="0"/>
+              <a:t>app.get</a:t>
             </a:r>
             <a:r>
               <a:rPr lang="en-US" dirty="0"/>
-              <a:t>()</a:t>
-            </a:r>
-          </a:p>
-          <a:p>
-            <a:pPr marL="0" indent="0">
-              <a:buNone/>
-            </a:pPr>
-            <a:r>
-              <a:rPr lang="en-US" dirty="0" err="1" smtClean="0">
-                <a:solidFill>
-                  <a:schemeClr val="accent1"/>
-                </a:solidFill>
-              </a:rPr>
-              <a:t>app</a:t>
-            </a:r>
-            <a:r>
-              <a:rPr lang="en-US" dirty="0" err="1" smtClean="0">
-                <a:solidFill>
-                  <a:schemeClr val="accent4"/>
-                </a:solidFill>
-              </a:rPr>
-              <a:t>.get</a:t>
-            </a:r>
-            <a:r>
-              <a:rPr lang="en-US" dirty="0"/>
-              <a:t>(</a:t>
-            </a:r>
-            <a:r>
-              <a:rPr lang="en-US" dirty="0">
-                <a:solidFill>
-                  <a:schemeClr val="accent2"/>
-                </a:solidFill>
-              </a:rPr>
-              <a:t>'/'</a:t>
-            </a:r>
-            <a:r>
-              <a:rPr lang="en-US" dirty="0"/>
-              <a:t>, </a:t>
+              <a:t>('/', </a:t>
             </a:r>
             <a:r>
               <a:rPr lang="en-US" dirty="0" smtClean="0"/>
               <a:t>(</a:t>
             </a:r>
             <a:r>
-              <a:rPr lang="en-US" dirty="0" err="1">
-                <a:solidFill>
-                  <a:schemeClr val="accent1">
-                    <a:lumMod val="75000"/>
-                  </a:schemeClr>
-                </a:solidFill>
-              </a:rPr>
+              <a:rPr lang="en-US" dirty="0" err="1"/>
               <a:t>req</a:t>
             </a:r>
             <a:r>
               <a:rPr lang="en-US" dirty="0"/>
-              <a:t>, </a:t>
-            </a:r>
-            <a:r>
-              <a:rPr lang="en-US" dirty="0">
-                <a:solidFill>
-                  <a:schemeClr val="accent1">
-                    <a:lumMod val="50000"/>
-                  </a:schemeClr>
-                </a:solidFill>
-              </a:rPr>
-              <a:t>res</a:t>
+              <a:t>, res</a:t>
             </a:r>
             <a:r>
               <a:rPr lang="en-US" dirty="0" smtClean="0"/>
@@ -4304,27 +4228,11 @@
             </a:r>
             <a:r>
               <a:rPr lang="en-US" dirty="0"/>
-              <a:t>(</a:t>
-            </a:r>
-            <a:r>
-              <a:rPr lang="en-US" dirty="0">
-                <a:solidFill>
-                  <a:schemeClr val="accent2"/>
-                </a:solidFill>
-              </a:rPr>
-              <a:t>'hello </a:t>
-            </a:r>
-            <a:r>
-              <a:rPr lang="en-US" dirty="0" smtClean="0">
-                <a:solidFill>
-                  <a:schemeClr val="accent2"/>
-                </a:solidFill>
-              </a:rPr>
-              <a:t>world’</a:t>
+              <a:t>('hello </a:t>
             </a:r>
             <a:r>
               <a:rPr lang="en-US" dirty="0" smtClean="0"/>
-              <a:t>)</a:t>
+              <a:t>world’)</a:t>
             </a:r>
             <a:endParaRPr lang="en-US" dirty="0"/>
           </a:p>
@@ -4434,6 +4342,18 @@
           <a:bodyPr/>
           <a:lstStyle/>
           <a:p>
+            <a:r>
+              <a:rPr lang="en-US" dirty="0" err="1"/>
+              <a:t>Bhavani</a:t>
+            </a:r>
+            <a:r>
+              <a:rPr lang="en-US" dirty="0"/>
+              <a:t> </a:t>
+            </a:r>
+            <a:r>
+              <a:rPr lang="en-US" dirty="0" err="1"/>
+              <a:t>Pathuri</a:t>
+            </a:r>
             <a:endParaRPr lang="en-US" dirty="0"/>
           </a:p>
         </p:txBody>
@@ -4515,14 +4435,14 @@
           <a:lstStyle/>
           <a:p>
             <a:r>
-              <a:rPr lang="en-US" dirty="0" smtClean="0">
+              <a:rPr lang="en-US" b="1" dirty="0" smtClean="0">
                 <a:solidFill>
                   <a:srgbClr val="FF0000"/>
                 </a:solidFill>
               </a:rPr>
               <a:t>Callback Functions</a:t>
             </a:r>
-            <a:endParaRPr lang="en-US" dirty="0">
+            <a:endParaRPr lang="en-US" b="1" dirty="0">
               <a:solidFill>
                 <a:srgbClr val="FF0000"/>
               </a:solidFill>
@@ -4609,6 +4529,18 @@
           <a:bodyPr/>
           <a:lstStyle/>
           <a:p>
+            <a:r>
+              <a:rPr lang="en-US" dirty="0" err="1"/>
+              <a:t>Bhavani</a:t>
+            </a:r>
+            <a:r>
+              <a:rPr lang="en-US" dirty="0"/>
+              <a:t> </a:t>
+            </a:r>
+            <a:r>
+              <a:rPr lang="en-US" dirty="0" err="1"/>
+              <a:t>Pathuri</a:t>
+            </a:r>
             <a:endParaRPr lang="en-US" dirty="0"/>
           </a:p>
         </p:txBody>
@@ -4690,14 +4622,14 @@
           <a:lstStyle/>
           <a:p>
             <a:r>
-              <a:rPr lang="en-US" dirty="0" smtClean="0">
+              <a:rPr lang="en-US" b="1" dirty="0" smtClean="0">
                 <a:solidFill>
                   <a:srgbClr val="FF0000"/>
                 </a:solidFill>
               </a:rPr>
               <a:t>Route parameters</a:t>
             </a:r>
-            <a:endParaRPr lang="en-US" dirty="0">
+            <a:endParaRPr lang="en-US" b="1" dirty="0">
               <a:solidFill>
                 <a:srgbClr val="FF0000"/>
               </a:solidFill>
@@ -4818,6 +4750,18 @@
           <a:bodyPr/>
           <a:lstStyle/>
           <a:p>
+            <a:r>
+              <a:rPr lang="en-US" dirty="0" err="1"/>
+              <a:t>Nikitha</a:t>
+            </a:r>
+            <a:r>
+              <a:rPr lang="en-US" dirty="0"/>
+              <a:t> </a:t>
+            </a:r>
+            <a:r>
+              <a:rPr lang="en-US" dirty="0" err="1"/>
+              <a:t>Lakmarapu</a:t>
+            </a:r>
             <a:endParaRPr lang="en-US" dirty="0"/>
           </a:p>
         </p:txBody>
@@ -4899,14 +4843,14 @@
           <a:lstStyle/>
           <a:p>
             <a:r>
-              <a:rPr lang="en-US" dirty="0" smtClean="0">
+              <a:rPr lang="en-US" b="1" dirty="0" smtClean="0">
                 <a:solidFill>
                   <a:srgbClr val="FF0000"/>
                 </a:solidFill>
               </a:rPr>
               <a:t>Routing parameter example</a:t>
             </a:r>
-            <a:endParaRPr lang="en-US" dirty="0">
+            <a:endParaRPr lang="en-US" b="1" dirty="0">
               <a:solidFill>
                 <a:srgbClr val="FF0000"/>
               </a:solidFill>
@@ -4940,28 +4884,6 @@
               <a:buNone/>
             </a:pPr>
             <a:r>
-              <a:rPr lang="en-US" dirty="0" err="1"/>
-              <a:t>const</a:t>
-            </a:r>
-            <a:r>
-              <a:rPr lang="en-US" dirty="0"/>
-              <a:t> express = require('express')</a:t>
-            </a:r>
-            <a:br>
-              <a:rPr lang="en-US" dirty="0"/>
-            </a:br>
-            <a:r>
-              <a:rPr lang="en-US" dirty="0" err="1"/>
-              <a:t>const</a:t>
-            </a:r>
-            <a:r>
-              <a:rPr lang="en-US" dirty="0"/>
-              <a:t> app = express()</a:t>
-            </a:r>
-            <a:br>
-              <a:rPr lang="en-US" dirty="0"/>
-            </a:br>
-            <a:r>
               <a:rPr lang="en-US" dirty="0" err="1" smtClean="0"/>
               <a:t>app.get</a:t>
             </a:r>
@@ -5148,6 +5070,18 @@
           <a:bodyPr/>
           <a:lstStyle/>
           <a:p>
+            <a:r>
+              <a:rPr lang="en-US" dirty="0" err="1"/>
+              <a:t>Nikitha</a:t>
+            </a:r>
+            <a:r>
+              <a:rPr lang="en-US" dirty="0"/>
+              <a:t> </a:t>
+            </a:r>
+            <a:r>
+              <a:rPr lang="en-US" dirty="0" err="1"/>
+              <a:t>Lakmarapu</a:t>
+            </a:r>
             <a:endParaRPr lang="en-US" dirty="0"/>
           </a:p>
         </p:txBody>
@@ -5229,7 +5163,7 @@
           <a:lstStyle/>
           <a:p>
             <a:r>
-              <a:rPr lang="en-US" dirty="0">
+              <a:rPr lang="en-US" b="1" dirty="0">
                 <a:solidFill>
                   <a:srgbClr val="FF0000"/>
                 </a:solidFill>
@@ -5341,6 +5275,18 @@
           <a:bodyPr/>
           <a:lstStyle/>
           <a:p>
+            <a:r>
+              <a:rPr lang="en-US" dirty="0" err="1"/>
+              <a:t>Nikitha</a:t>
+            </a:r>
+            <a:r>
+              <a:rPr lang="en-US" dirty="0"/>
+              <a:t> </a:t>
+            </a:r>
+            <a:r>
+              <a:rPr lang="en-US" dirty="0" err="1"/>
+              <a:t>Lakmarapu</a:t>
+            </a:r>
             <a:endParaRPr lang="en-US" dirty="0"/>
           </a:p>
         </p:txBody>
@@ -5428,83 +5374,18 @@
           <a:p>
             <a:pPr algn="ctr"/>
             <a:r>
-              <a:rPr lang="en-US" dirty="0" smtClean="0">
+              <a:rPr lang="en-US" b="1" dirty="0" smtClean="0">
                 <a:solidFill>
                   <a:srgbClr val="FF0000"/>
                 </a:solidFill>
               </a:rPr>
               <a:t>Thank You</a:t>
             </a:r>
-            <a:endParaRPr lang="en-US" dirty="0">
+            <a:endParaRPr lang="en-US" b="1" dirty="0">
               <a:solidFill>
                 <a:srgbClr val="FF0000"/>
               </a:solidFill>
             </a:endParaRPr>
-          </a:p>
-        </p:txBody>
-      </p:sp>
-      <p:sp>
-        <p:nvSpPr>
-          <p:cNvPr id="3" name="Date Placeholder 2"/>
-          <p:cNvSpPr>
-            <a:spLocks noGrp="1"/>
-          </p:cNvSpPr>
-          <p:nvPr>
-            <p:ph type="dt" sz="half" idx="10"/>
-          </p:nvPr>
-        </p:nvSpPr>
-        <p:spPr/>
-        <p:txBody>
-          <a:bodyPr/>
-          <a:lstStyle/>
-          <a:p>
-            <a:fld id="{CD3002CB-DC97-4D6A-88E1-5C5EC1AB83C6}" type="datetime1">
-              <a:rPr lang="en-US" smtClean="0"/>
-              <a:t>3/19/2019</a:t>
-            </a:fld>
-            <a:endParaRPr lang="en-US"/>
-          </a:p>
-        </p:txBody>
-      </p:sp>
-      <p:sp>
-        <p:nvSpPr>
-          <p:cNvPr id="4" name="Footer Placeholder 3"/>
-          <p:cNvSpPr>
-            <a:spLocks noGrp="1"/>
-          </p:cNvSpPr>
-          <p:nvPr>
-            <p:ph type="ftr" sz="quarter" idx="11"/>
-          </p:nvPr>
-        </p:nvSpPr>
-        <p:spPr/>
-        <p:txBody>
-          <a:bodyPr/>
-          <a:lstStyle/>
-          <a:p>
-            <a:endParaRPr lang="en-US"/>
-          </a:p>
-        </p:txBody>
-      </p:sp>
-      <p:sp>
-        <p:nvSpPr>
-          <p:cNvPr id="5" name="Slide Number Placeholder 4"/>
-          <p:cNvSpPr>
-            <a:spLocks noGrp="1"/>
-          </p:cNvSpPr>
-          <p:nvPr>
-            <p:ph type="sldNum" sz="quarter" idx="12"/>
-          </p:nvPr>
-        </p:nvSpPr>
-        <p:spPr/>
-        <p:txBody>
-          <a:bodyPr/>
-          <a:lstStyle/>
-          <a:p>
-            <a:fld id="{95D2EBCB-EB39-44EF-8105-11426F08818F}" type="slidenum">
-              <a:rPr lang="en-US" smtClean="0"/>
-              <a:t>16</a:t>
-            </a:fld>
-            <a:endParaRPr lang="en-US"/>
           </a:p>
         </p:txBody>
       </p:sp>
@@ -5562,14 +5443,14 @@
           <a:p>
             <a:pPr algn="ctr"/>
             <a:r>
-              <a:rPr lang="en-US" dirty="0" smtClean="0">
+              <a:rPr lang="en-US" b="1" dirty="0" smtClean="0">
                 <a:solidFill>
                   <a:srgbClr val="FF0000"/>
                 </a:solidFill>
               </a:rPr>
               <a:t>Team Members</a:t>
             </a:r>
-            <a:endParaRPr lang="en-US" dirty="0">
+            <a:endParaRPr lang="en-US" b="1" dirty="0">
               <a:solidFill>
                 <a:srgbClr val="FF0000"/>
               </a:solidFill>
@@ -5610,14 +5491,14 @@
           <p:nvPr>
             <p:extLst>
               <p:ext uri="{D42A27DB-BD31-4B8C-83A1-F6EECF244321}">
-                <p14:modId xmlns:p14="http://schemas.microsoft.com/office/powerpoint/2010/main" val="2273919002"/>
+                <p14:modId xmlns:p14="http://schemas.microsoft.com/office/powerpoint/2010/main" val="1795659939"/>
               </p:ext>
             </p:extLst>
           </p:nvPr>
         </p:nvGraphicFramePr>
         <p:xfrm>
           <a:off x="587084" y="2150500"/>
-          <a:ext cx="7886704" cy="2676699"/>
+          <a:ext cx="7886704" cy="2951019"/>
         </p:xfrm>
         <a:graphic>
           <a:graphicData uri="http://schemas.openxmlformats.org/drawingml/2006/table">
@@ -5726,8 +5607,9 @@
                     <a:bodyPr/>
                     <a:lstStyle/>
                     <a:p>
+                      <a:pPr algn="just"/>
                       <a:r>
-                        <a:rPr lang="en-US" dirty="0" smtClean="0">
+                        <a:rPr lang="en-US" sz="1800" b="1" dirty="0" smtClean="0">
                           <a:solidFill>
                             <a:srgbClr val="0070C0"/>
                           </a:solidFill>
@@ -5735,14 +5617,14 @@
                         <a:t>PRADEEPKUMAR</a:t>
                       </a:r>
                       <a:r>
-                        <a:rPr lang="en-US" baseline="0" dirty="0" smtClean="0">
+                        <a:rPr lang="en-US" sz="1800" b="1" baseline="0" dirty="0" smtClean="0">
                           <a:solidFill>
                             <a:srgbClr val="0070C0"/>
                           </a:solidFill>
                         </a:rPr>
                         <a:t> THEEGALA</a:t>
                       </a:r>
-                      <a:endParaRPr lang="en-US" dirty="0">
+                      <a:endParaRPr lang="en-US" sz="1800" b="1" dirty="0">
                         <a:solidFill>
                           <a:srgbClr val="0070C0"/>
                         </a:solidFill>
@@ -5756,8 +5638,9 @@
                     <a:bodyPr/>
                     <a:lstStyle/>
                     <a:p>
+                      <a:pPr algn="just"/>
                       <a:r>
-                        <a:rPr lang="en-US" dirty="0" smtClean="0">
+                        <a:rPr lang="en-US" sz="1800" b="1" dirty="0" smtClean="0">
                           <a:solidFill>
                             <a:srgbClr val="0070C0"/>
                           </a:solidFill>
@@ -5765,14 +5648,14 @@
                         <a:t>RAGHAVENDAR</a:t>
                       </a:r>
                       <a:r>
-                        <a:rPr lang="en-US" baseline="0" dirty="0" smtClean="0">
+                        <a:rPr lang="en-US" sz="1800" b="1" baseline="0" dirty="0" smtClean="0">
                           <a:solidFill>
                             <a:srgbClr val="0070C0"/>
                           </a:solidFill>
                         </a:rPr>
-                        <a:t> REDDY</a:t>
+                        <a:t> REDDY MADDELAVEDU</a:t>
                       </a:r>
-                      <a:endParaRPr lang="en-US" dirty="0">
+                      <a:endParaRPr lang="en-US" sz="1800" b="1" dirty="0">
                         <a:solidFill>
                           <a:srgbClr val="0070C0"/>
                         </a:solidFill>
@@ -5786,18 +5669,27 @@
                     <a:bodyPr/>
                     <a:lstStyle/>
                     <a:p>
+                      <a:pPr algn="just"/>
                       <a:r>
-                        <a:rPr lang="en-US" dirty="0" smtClean="0">
+                        <a:rPr lang="en-US" sz="1800" b="1" i="0" kern="1200" dirty="0" smtClean="0">
                           <a:solidFill>
                             <a:srgbClr val="0070C0"/>
                           </a:solidFill>
+                          <a:effectLst/>
+                          <a:latin typeface="+mn-lt"/>
+                          <a:ea typeface="+mn-ea"/>
+                          <a:cs typeface="+mn-cs"/>
                         </a:rPr>
-                        <a:t>NIKITHA</a:t>
+                        <a:t>NIKITHA LAKMARAPU</a:t>
                       </a:r>
-                      <a:endParaRPr lang="en-US" dirty="0">
+                      <a:endParaRPr lang="en-US" sz="1800" b="1" i="0" kern="1200" dirty="0">
                         <a:solidFill>
                           <a:srgbClr val="0070C0"/>
                         </a:solidFill>
+                        <a:effectLst/>
+                        <a:latin typeface="+mn-lt"/>
+                        <a:ea typeface="+mn-ea"/>
+                        <a:cs typeface="+mn-cs"/>
                       </a:endParaRPr>
                     </a:p>
                   </a:txBody>
@@ -5808,18 +5700,27 @@
                     <a:bodyPr/>
                     <a:lstStyle/>
                     <a:p>
+                      <a:pPr algn="just"/>
                       <a:r>
-                        <a:rPr lang="en-US" dirty="0" smtClean="0">
+                        <a:rPr lang="en-US" sz="1800" b="1" i="0" kern="1200" dirty="0" smtClean="0">
                           <a:solidFill>
                             <a:srgbClr val="0070C0"/>
                           </a:solidFill>
+                          <a:effectLst/>
+                          <a:latin typeface="+mn-lt"/>
+                          <a:ea typeface="+mn-ea"/>
+                          <a:cs typeface="+mn-cs"/>
                         </a:rPr>
-                        <a:t>BHAVANI</a:t>
+                        <a:t>BHAVANI PATHURI</a:t>
                       </a:r>
-                      <a:endParaRPr lang="en-US" dirty="0">
+                      <a:endParaRPr lang="en-US" sz="1800" b="1" i="0" kern="1200" dirty="0">
                         <a:solidFill>
                           <a:srgbClr val="0070C0"/>
                         </a:solidFill>
+                        <a:effectLst/>
+                        <a:latin typeface="+mn-lt"/>
+                        <a:ea typeface="+mn-ea"/>
+                        <a:cs typeface="+mn-cs"/>
                       </a:endParaRPr>
                     </a:p>
                   </a:txBody>
@@ -5856,7 +5757,7 @@
         </p:blipFill>
         <p:spPr>
           <a:xfrm>
-            <a:off x="722167" y="2177136"/>
+            <a:off x="729960" y="2177136"/>
             <a:ext cx="1828800" cy="1846383"/>
           </a:xfrm>
           <a:prstGeom prst="rect">
@@ -5885,8 +5786,67 @@
         </p:blipFill>
         <p:spPr>
           <a:xfrm rot="5400000">
-            <a:off x="2693843" y="2169343"/>
+            <a:off x="2650980" y="2169343"/>
             <a:ext cx="1828800" cy="1844386"/>
+          </a:xfrm>
+          <a:prstGeom prst="rect">
+            <a:avLst/>
+          </a:prstGeom>
+        </p:spPr>
+      </p:pic>
+      <p:pic>
+        <p:nvPicPr>
+          <p:cNvPr id="13" name="Picture 12"/>
+          <p:cNvPicPr>
+            <a:picLocks noChangeAspect="1"/>
+          </p:cNvPicPr>
+          <p:nvPr/>
+        </p:nvPicPr>
+        <p:blipFill rotWithShape="1">
+          <a:blip r:embed="rId4" cstate="print">
+            <a:extLst>
+              <a:ext uri="{28A0092B-C50C-407E-A947-70E740481C1C}">
+                <a14:useLocalDpi xmlns:a14="http://schemas.microsoft.com/office/drawing/2010/main" val="0"/>
+              </a:ext>
+            </a:extLst>
+          </a:blip>
+          <a:srcRect r="3011"/>
+          <a:stretch/>
+        </p:blipFill>
+        <p:spPr>
+          <a:xfrm>
+            <a:off x="6485227" y="2177136"/>
+            <a:ext cx="1785506" cy="1847088"/>
+          </a:xfrm>
+          <a:prstGeom prst="rect">
+            <a:avLst/>
+          </a:prstGeom>
+        </p:spPr>
+      </p:pic>
+      <p:pic>
+        <p:nvPicPr>
+          <p:cNvPr id="14" name="Picture 13"/>
+          <p:cNvPicPr>
+            <a:picLocks noChangeAspect="1"/>
+          </p:cNvPicPr>
+          <p:nvPr/>
+        </p:nvPicPr>
+        <p:blipFill>
+          <a:blip r:embed="rId5" cstate="print">
+            <a:extLst>
+              <a:ext uri="{28A0092B-C50C-407E-A947-70E740481C1C}">
+                <a14:useLocalDpi xmlns:a14="http://schemas.microsoft.com/office/drawing/2010/main" val="0"/>
+              </a:ext>
+            </a:extLst>
+          </a:blip>
+          <a:stretch>
+            <a:fillRect/>
+          </a:stretch>
+        </p:blipFill>
+        <p:spPr>
+          <a:xfrm>
+            <a:off x="4572000" y="2177136"/>
+            <a:ext cx="1828800" cy="1847088"/>
           </a:xfrm>
           <a:prstGeom prst="rect">
             <a:avLst/>
@@ -5946,14 +5906,14 @@
           <a:lstStyle/>
           <a:p>
             <a:r>
-              <a:rPr lang="en-US" dirty="0" smtClean="0">
+              <a:rPr lang="en-US" b="1" dirty="0" smtClean="0">
                 <a:solidFill>
                   <a:srgbClr val="FF0000"/>
                 </a:solidFill>
               </a:rPr>
               <a:t>Table Of Contents</a:t>
             </a:r>
-            <a:endParaRPr lang="en-US" dirty="0">
+            <a:endParaRPr lang="en-US" b="1" dirty="0">
               <a:solidFill>
                 <a:srgbClr val="FF0000"/>
               </a:solidFill>
@@ -6137,14 +6097,14 @@
           <a:lstStyle/>
           <a:p>
             <a:r>
-              <a:rPr lang="en-US" dirty="0" smtClean="0">
+              <a:rPr lang="en-US" b="1" dirty="0" smtClean="0">
                 <a:solidFill>
                   <a:srgbClr val="FF0000"/>
                 </a:solidFill>
               </a:rPr>
               <a:t>Overview</a:t>
             </a:r>
-            <a:endParaRPr lang="en-US" dirty="0">
+            <a:endParaRPr lang="en-US" b="1" dirty="0">
               <a:solidFill>
                 <a:srgbClr val="FF0000"/>
               </a:solidFill>
@@ -6310,14 +6270,14 @@
           <a:lstStyle/>
           <a:p>
             <a:r>
-              <a:rPr lang="en-US" dirty="0" smtClean="0">
+              <a:rPr lang="en-US" b="1" dirty="0" smtClean="0">
                 <a:solidFill>
                   <a:srgbClr val="FF0000"/>
                 </a:solidFill>
               </a:rPr>
               <a:t>Routing</a:t>
             </a:r>
-            <a:endParaRPr lang="en-US" dirty="0">
+            <a:endParaRPr lang="en-US" b="1" dirty="0">
               <a:solidFill>
                 <a:srgbClr val="FF0000"/>
               </a:solidFill>
@@ -6495,14 +6455,14 @@
           <a:lstStyle/>
           <a:p>
             <a:r>
-              <a:rPr lang="en-US" dirty="0" smtClean="0">
+              <a:rPr lang="en-US" b="1" dirty="0" smtClean="0">
                 <a:solidFill>
                   <a:srgbClr val="FF0000"/>
                 </a:solidFill>
               </a:rPr>
               <a:t>Controllers to route requests</a:t>
             </a:r>
-            <a:endParaRPr lang="en-US" dirty="0">
+            <a:endParaRPr lang="en-US" b="1" dirty="0">
               <a:solidFill>
                 <a:srgbClr val="FF0000"/>
               </a:solidFill>
@@ -6584,7 +6544,7 @@
           <a:p>
             <a:r>
               <a:rPr lang="en-US" dirty="0" smtClean="0"/>
-              <a:t>Pradeepkumar</a:t>
+              <a:t>Pradeepkumar Theegala</a:t>
             </a:r>
             <a:endParaRPr lang="en-US" dirty="0"/>
           </a:p>
@@ -6667,14 +6627,14 @@
           <a:lstStyle/>
           <a:p>
             <a:r>
-              <a:rPr lang="en-US" dirty="0" smtClean="0">
+              <a:rPr lang="en-US" b="1" dirty="0" smtClean="0">
                 <a:solidFill>
                   <a:srgbClr val="FF0000"/>
                 </a:solidFill>
               </a:rPr>
               <a:t>Flow of data and things</a:t>
             </a:r>
-            <a:endParaRPr lang="en-US" dirty="0">
+            <a:endParaRPr lang="en-US" b="1" dirty="0">
               <a:solidFill>
                 <a:srgbClr val="FF0000"/>
               </a:solidFill>
@@ -6748,7 +6708,7 @@
           <a:p>
             <a:r>
               <a:rPr lang="en-US" dirty="0" smtClean="0"/>
-              <a:t>Pradeepkumar</a:t>
+              <a:t>Pradeepkumar Theegala</a:t>
             </a:r>
             <a:endParaRPr lang="en-US" dirty="0"/>
           </a:p>
@@ -6869,14 +6829,14 @@
           <a:lstStyle/>
           <a:p>
             <a:r>
-              <a:rPr lang="en-US" dirty="0" smtClean="0">
+              <a:rPr lang="en-US" b="1" dirty="0" smtClean="0">
                 <a:solidFill>
                   <a:srgbClr val="FF0000"/>
                 </a:solidFill>
               </a:rPr>
               <a:t>Syntax for routing</a:t>
             </a:r>
-            <a:endParaRPr lang="en-US" dirty="0">
+            <a:endParaRPr lang="en-US" b="1" dirty="0">
               <a:solidFill>
                 <a:srgbClr val="FF0000"/>
               </a:solidFill>
@@ -6900,134 +6860,46 @@
           <a:lstStyle/>
           <a:p>
             <a:r>
-              <a:rPr lang="en-US" dirty="0" smtClean="0">
-                <a:solidFill>
-                  <a:schemeClr val="accent1"/>
-                </a:solidFill>
-              </a:rPr>
+              <a:rPr lang="en-US" dirty="0" smtClean="0"/>
               <a:t>Routing contains HTTP verb (GET, POST, PUT, DELETE..) and a function that is handle the pattern.</a:t>
             </a:r>
           </a:p>
           <a:p>
             <a:r>
-              <a:rPr lang="en-US" dirty="0" err="1" smtClean="0">
-                <a:solidFill>
-                  <a:schemeClr val="accent1"/>
-                </a:solidFill>
-              </a:rPr>
-              <a:t>app</a:t>
-            </a:r>
-            <a:r>
-              <a:rPr lang="en-US" dirty="0" err="1" smtClean="0">
-                <a:solidFill>
-                  <a:schemeClr val="accent4"/>
-                </a:solidFill>
-              </a:rPr>
-              <a:t>.Method</a:t>
+              <a:rPr lang="en-US" dirty="0" err="1" smtClean="0"/>
+              <a:t>app.Method</a:t>
             </a:r>
             <a:r>
               <a:rPr lang="en-US" dirty="0" smtClean="0"/>
-              <a:t>(</a:t>
-            </a:r>
-            <a:r>
-              <a:rPr lang="en-US" dirty="0" smtClean="0">
-                <a:solidFill>
-                  <a:schemeClr val="accent1"/>
-                </a:solidFill>
-              </a:rPr>
-              <a:t>PATH</a:t>
-            </a:r>
-            <a:r>
-              <a:rPr lang="en-US" dirty="0" smtClean="0">
-                <a:solidFill>
-                  <a:schemeClr val="accent4"/>
-                </a:solidFill>
-              </a:rPr>
-              <a:t>,</a:t>
+              <a:t>(PATH, HANDLER)</a:t>
+            </a:r>
+          </a:p>
+          <a:p>
+            <a:r>
+              <a:rPr lang="en-US" dirty="0"/>
+              <a:t>a</a:t>
             </a:r>
             <a:r>
               <a:rPr lang="en-US" dirty="0" smtClean="0"/>
-              <a:t> </a:t>
-            </a:r>
-            <a:r>
-              <a:rPr lang="en-US" dirty="0" smtClean="0">
-                <a:solidFill>
-                  <a:schemeClr val="accent1"/>
-                </a:solidFill>
-              </a:rPr>
-              <a:t>HANDLER</a:t>
-            </a:r>
+              <a:t>pp is an instance of express.</a:t>
+            </a:r>
+          </a:p>
+          <a:p>
             <a:r>
               <a:rPr lang="en-US" dirty="0" smtClean="0"/>
-              <a:t>)</a:t>
-            </a:r>
-          </a:p>
-          <a:p>
-            <a:r>
-              <a:rPr lang="en-US" dirty="0">
-                <a:solidFill>
-                  <a:schemeClr val="accent1">
-                    <a:lumMod val="75000"/>
-                  </a:schemeClr>
-                </a:solidFill>
-              </a:rPr>
-              <a:t>a</a:t>
-            </a:r>
-            <a:r>
-              <a:rPr lang="en-US" dirty="0" smtClean="0">
-                <a:solidFill>
-                  <a:schemeClr val="accent1">
-                    <a:lumMod val="75000"/>
-                  </a:schemeClr>
-                </a:solidFill>
-              </a:rPr>
-              <a:t>pp</a:t>
-            </a:r>
+              <a:t>Method is an HTTP request method</a:t>
+            </a:r>
+          </a:p>
+          <a:p>
             <a:r>
               <a:rPr lang="en-US" dirty="0" smtClean="0"/>
-              <a:t> is an instance of express.</a:t>
-            </a:r>
-          </a:p>
-          <a:p>
-            <a:r>
-              <a:rPr lang="en-US" dirty="0" smtClean="0">
-                <a:solidFill>
-                  <a:schemeClr val="accent4"/>
-                </a:solidFill>
-              </a:rPr>
-              <a:t>Method</a:t>
-            </a:r>
+              <a:t>PATH is a path on the server</a:t>
+            </a:r>
+          </a:p>
+          <a:p>
             <a:r>
               <a:rPr lang="en-US" dirty="0" smtClean="0"/>
-              <a:t> is an HTTP request method</a:t>
-            </a:r>
-          </a:p>
-          <a:p>
-            <a:r>
-              <a:rPr lang="en-US" dirty="0" smtClean="0">
-                <a:solidFill>
-                  <a:schemeClr val="accent4"/>
-                </a:solidFill>
-              </a:rPr>
-              <a:t>PATH</a:t>
-            </a:r>
-            <a:r>
-              <a:rPr lang="en-US" dirty="0" smtClean="0"/>
-              <a:t> is a path on the server</a:t>
-            </a:r>
-          </a:p>
-          <a:p>
-            <a:r>
-              <a:rPr lang="en-US" dirty="0" smtClean="0">
-                <a:solidFill>
-                  <a:schemeClr val="accent4"/>
-                </a:solidFill>
-              </a:rPr>
-              <a:t>HANDLER</a:t>
-            </a:r>
-            <a:r>
-              <a:rPr lang="en-US" dirty="0" smtClean="0"/>
-              <a:t> is a callback function which is executed when specified routes are matched.</a:t>
+              <a:t>HANDLER is a callback function which is executed when specified routes are matched.</a:t>
             </a:r>
           </a:p>
           <a:p>
@@ -7075,7 +6947,7 @@
           <a:p>
             <a:r>
               <a:rPr lang="en-US" dirty="0" smtClean="0"/>
-              <a:t>Pradeepkumar</a:t>
+              <a:t>Pradeepkumar Theegala</a:t>
             </a:r>
             <a:endParaRPr lang="en-US" dirty="0"/>
           </a:p>
@@ -7158,14 +7030,14 @@
           <a:lstStyle/>
           <a:p>
             <a:r>
-              <a:rPr lang="en-US" dirty="0" smtClean="0">
+              <a:rPr lang="en-US" b="1" dirty="0" smtClean="0">
                 <a:solidFill>
                   <a:srgbClr val="FF0000"/>
                 </a:solidFill>
               </a:rPr>
               <a:t>HTTP Verbs</a:t>
             </a:r>
-            <a:endParaRPr lang="en-US" dirty="0">
+            <a:endParaRPr lang="en-US" b="1" dirty="0">
               <a:solidFill>
                 <a:srgbClr val="FF0000"/>
               </a:solidFill>
@@ -7281,7 +7153,7 @@
           <a:p>
             <a:r>
               <a:rPr lang="en-US" dirty="0" smtClean="0"/>
-              <a:t>Pradeepkumar</a:t>
+              <a:t>Pradeepkumar Theegala</a:t>
             </a:r>
             <a:endParaRPr lang="en-US" dirty="0"/>
           </a:p>

--- a/docs/ws5.pptx
+++ b/docs/ws5.pptx
@@ -4665,7 +4665,7 @@
           </a:p>
           <a:p>
             <a:r>
-              <a:rPr lang="en-US" dirty="0" err="1" smtClean="0"/>
+              <a:rPr lang="en-US" b="1" dirty="0" err="1" smtClean="0"/>
               <a:t>E.g</a:t>
             </a:r>
             <a:r>
@@ -4697,7 +4697,7 @@
           </a:p>
           <a:p>
             <a:r>
-              <a:rPr lang="en-US" dirty="0" err="1" smtClean="0"/>
+              <a:rPr lang="en-US" b="1" dirty="0" err="1" smtClean="0"/>
               <a:t>E.g</a:t>
             </a:r>
             <a:r>
@@ -6861,45 +6861,105 @@
           <a:p>
             <a:r>
               <a:rPr lang="en-US" dirty="0" smtClean="0"/>
-              <a:t>Routing contains HTTP verb (GET, POST, PUT, DELETE..) and a function that is handle the pattern.</a:t>
-            </a:r>
-          </a:p>
-          <a:p>
-            <a:r>
-              <a:rPr lang="en-US" dirty="0" err="1" smtClean="0"/>
+              <a:t>Routing contains </a:t>
+            </a:r>
+            <a:r>
+              <a:rPr lang="en-US" b="1" dirty="0" smtClean="0"/>
+              <a:t>HTTP verb </a:t>
+            </a:r>
+            <a:r>
+              <a:rPr lang="en-US" dirty="0" smtClean="0"/>
+              <a:t>(GET, POST, PUT, DELETE..) and a </a:t>
+            </a:r>
+            <a:r>
+              <a:rPr lang="en-US" b="1" dirty="0" smtClean="0"/>
+              <a:t>function</a:t>
+            </a:r>
+            <a:r>
+              <a:rPr lang="en-US" dirty="0" smtClean="0"/>
+              <a:t> that is handle the pattern.</a:t>
+            </a:r>
+          </a:p>
+          <a:p>
+            <a:r>
+              <a:rPr lang="en-US" dirty="0" err="1" smtClean="0">
+                <a:solidFill>
+                  <a:srgbClr val="0070C0"/>
+                </a:solidFill>
+              </a:rPr>
               <a:t>app.Method</a:t>
             </a:r>
             <a:r>
+              <a:rPr lang="en-US" dirty="0" smtClean="0">
+                <a:solidFill>
+                  <a:srgbClr val="0070C0"/>
+                </a:solidFill>
+              </a:rPr>
+              <a:t>(PATH, HANDLER)</a:t>
+            </a:r>
+          </a:p>
+          <a:p>
+            <a:r>
+              <a:rPr lang="en-US" dirty="0">
+                <a:solidFill>
+                  <a:srgbClr val="0070C0"/>
+                </a:solidFill>
+              </a:rPr>
+              <a:t>a</a:t>
+            </a:r>
+            <a:r>
+              <a:rPr lang="en-US" dirty="0" smtClean="0">
+                <a:solidFill>
+                  <a:srgbClr val="0070C0"/>
+                </a:solidFill>
+              </a:rPr>
+              <a:t>pp</a:t>
+            </a:r>
+            <a:r>
               <a:rPr lang="en-US" dirty="0" smtClean="0"/>
-              <a:t>(PATH, HANDLER)</a:t>
-            </a:r>
-          </a:p>
-          <a:p>
-            <a:r>
-              <a:rPr lang="en-US" dirty="0"/>
-              <a:t>a</a:t>
+              <a:t> is an instance of express.</a:t>
+            </a:r>
+          </a:p>
+          <a:p>
+            <a:r>
+              <a:rPr lang="en-US" dirty="0" smtClean="0">
+                <a:solidFill>
+                  <a:srgbClr val="0070C0"/>
+                </a:solidFill>
+              </a:rPr>
+              <a:t>Method</a:t>
             </a:r>
             <a:r>
               <a:rPr lang="en-US" dirty="0" smtClean="0"/>
-              <a:t>pp is an instance of express.</a:t>
-            </a:r>
-          </a:p>
-          <a:p>
+              <a:t> is an HTTP request method</a:t>
+            </a:r>
+          </a:p>
+          <a:p>
+            <a:r>
+              <a:rPr lang="en-US" dirty="0" smtClean="0">
+                <a:solidFill>
+                  <a:srgbClr val="0070C0"/>
+                </a:solidFill>
+              </a:rPr>
+              <a:t>PATH</a:t>
+            </a:r>
             <a:r>
               <a:rPr lang="en-US" dirty="0" smtClean="0"/>
-              <a:t>Method is an HTTP request method</a:t>
-            </a:r>
-          </a:p>
-          <a:p>
+              <a:t> is a path on the server</a:t>
+            </a:r>
+          </a:p>
+          <a:p>
+            <a:r>
+              <a:rPr lang="en-US" dirty="0" smtClean="0">
+                <a:solidFill>
+                  <a:srgbClr val="0070C0"/>
+                </a:solidFill>
+              </a:rPr>
+              <a:t>HANDLER</a:t>
+            </a:r>
             <a:r>
               <a:rPr lang="en-US" dirty="0" smtClean="0"/>
-              <a:t>PATH is a path on the server</a:t>
-            </a:r>
-          </a:p>
-          <a:p>
-            <a:r>
-              <a:rPr lang="en-US" dirty="0" smtClean="0"/>
-              <a:t>HANDLER is a callback function which is executed when specified routes are matched.</a:t>
+              <a:t> is a callback function which is executed when specified routes are matched.</a:t>
             </a:r>
           </a:p>
           <a:p>
@@ -7067,12 +7127,16 @@
           </a:p>
           <a:p>
             <a:r>
-              <a:rPr lang="en-US" dirty="0" err="1" smtClean="0"/>
+              <a:rPr lang="en-US" b="1" dirty="0" err="1" smtClean="0"/>
               <a:t>app.get</a:t>
             </a:r>
             <a:r>
+              <a:rPr lang="en-US" b="1" dirty="0" smtClean="0"/>
+              <a:t>(): </a:t>
+            </a:r>
+            <a:r>
               <a:rPr lang="en-US" dirty="0" smtClean="0"/>
-              <a:t>(): This method is to respond to HTTP Get request with a certain path.</a:t>
+              <a:t>This method is to respond to HTTP Get request with a certain path.</a:t>
             </a:r>
           </a:p>
           <a:p>
@@ -7083,31 +7147,31 @@
           </a:p>
           <a:p>
             <a:r>
-              <a:rPr lang="en-US" dirty="0" err="1" smtClean="0"/>
+              <a:rPr lang="en-US" b="1" dirty="0" err="1" smtClean="0"/>
               <a:t>app.put</a:t>
             </a:r>
             <a:r>
-              <a:rPr lang="en-US" dirty="0" smtClean="0"/>
+              <a:rPr lang="en-US" b="1" dirty="0" smtClean="0"/>
               <a:t>()</a:t>
             </a:r>
           </a:p>
           <a:p>
             <a:r>
-              <a:rPr lang="en-US" dirty="0" err="1" smtClean="0"/>
+              <a:rPr lang="en-US" b="1" dirty="0" err="1" smtClean="0"/>
               <a:t>app.post</a:t>
             </a:r>
             <a:r>
-              <a:rPr lang="en-US" dirty="0" smtClean="0"/>
+              <a:rPr lang="en-US" b="1" dirty="0" smtClean="0"/>
               <a:t>()</a:t>
             </a:r>
           </a:p>
           <a:p>
             <a:r>
-              <a:rPr lang="en-US" dirty="0" err="1" smtClean="0"/>
+              <a:rPr lang="en-US" b="1" dirty="0" err="1" smtClean="0"/>
               <a:t>app.delete</a:t>
             </a:r>
             <a:r>
-              <a:rPr lang="en-US" dirty="0" smtClean="0"/>
+              <a:rPr lang="en-US" b="1" dirty="0" smtClean="0"/>
               <a:t>()</a:t>
             </a:r>
           </a:p>

--- a/docs/ws5.pptx
+++ b/docs/ws5.pptx
@@ -4002,7 +4002,7 @@
           <a:p>
             <a:fld id="{3134937D-5010-4377-BF02-E718AA8D3D5D}" type="datetime1">
               <a:rPr lang="en-US" smtClean="0"/>
-              <a:t>3/19/2019</a:t>
+              <a:t>3/20/2019</a:t>
             </a:fld>
             <a:endParaRPr lang="en-US"/>
           </a:p>
@@ -4018,22 +4018,19 @@
             <p:ph type="ftr" sz="quarter" idx="11"/>
           </p:nvPr>
         </p:nvSpPr>
-        <p:spPr/>
-        <p:txBody>
-          <a:bodyPr/>
-          <a:lstStyle/>
-          <a:p>
-            <a:r>
-              <a:rPr lang="en-US" dirty="0" err="1"/>
-              <a:t>Bhavani</a:t>
-            </a:r>
-            <a:r>
-              <a:rPr lang="en-US" dirty="0"/>
-              <a:t> </a:t>
-            </a:r>
-            <a:r>
-              <a:rPr lang="en-US" dirty="0" err="1" smtClean="0"/>
-              <a:t>Pathuri</a:t>
+        <p:spPr>
+          <a:xfrm>
+            <a:off x="3028950" y="6356351"/>
+            <a:ext cx="3086100" cy="365125"/>
+          </a:xfrm>
+        </p:spPr>
+        <p:txBody>
+          <a:bodyPr/>
+          <a:lstStyle/>
+          <a:p>
+            <a:r>
+              <a:rPr lang="en-US" smtClean="0"/>
+              <a:t>Raghavendar Reddy</a:t>
             </a:r>
             <a:endParaRPr lang="en-US" dirty="0"/>
           </a:p>
@@ -4321,7 +4318,7 @@
           <a:p>
             <a:fld id="{2E44A79D-558D-44DF-985B-48D2F95D6F3F}" type="datetime1">
               <a:rPr lang="en-US" smtClean="0"/>
-              <a:t>3/19/2019</a:t>
+              <a:t>3/20/2019</a:t>
             </a:fld>
             <a:endParaRPr lang="en-US"/>
           </a:p>
@@ -4343,16 +4340,8 @@
           <a:lstStyle/>
           <a:p>
             <a:r>
-              <a:rPr lang="en-US" dirty="0" err="1"/>
-              <a:t>Bhavani</a:t>
-            </a:r>
-            <a:r>
-              <a:rPr lang="en-US" dirty="0"/>
-              <a:t> </a:t>
-            </a:r>
-            <a:r>
-              <a:rPr lang="en-US" dirty="0" err="1"/>
-              <a:t>Pathuri</a:t>
+              <a:rPr lang="en-US" smtClean="0"/>
+              <a:t>Raghavendar Reddy</a:t>
             </a:r>
             <a:endParaRPr lang="en-US" dirty="0"/>
           </a:p>
@@ -4508,7 +4497,7 @@
           <a:p>
             <a:fld id="{2251DA12-B7D7-4FF7-A837-DAD7066443FA}" type="datetime1">
               <a:rPr lang="en-US" smtClean="0"/>
-              <a:t>3/19/2019</a:t>
+              <a:t>3/20/2019</a:t>
             </a:fld>
             <a:endParaRPr lang="en-US"/>
           </a:p>
@@ -4530,16 +4519,8 @@
           <a:lstStyle/>
           <a:p>
             <a:r>
-              <a:rPr lang="en-US" dirty="0" err="1"/>
-              <a:t>Bhavani</a:t>
-            </a:r>
-            <a:r>
-              <a:rPr lang="en-US" dirty="0"/>
-              <a:t> </a:t>
-            </a:r>
-            <a:r>
-              <a:rPr lang="en-US" dirty="0" err="1"/>
-              <a:t>Pathuri</a:t>
+              <a:rPr lang="en-US" smtClean="0"/>
+              <a:t>Raghavendar Reddy</a:t>
             </a:r>
             <a:endParaRPr lang="en-US" dirty="0"/>
           </a:p>
@@ -4729,7 +4710,7 @@
           <a:p>
             <a:fld id="{28DA93D7-048F-4195-A758-93F96B17FCC0}" type="datetime1">
               <a:rPr lang="en-US" smtClean="0"/>
-              <a:t>3/19/2019</a:t>
+              <a:t>3/20/2019</a:t>
             </a:fld>
             <a:endParaRPr lang="en-US"/>
           </a:p>
@@ -5049,7 +5030,7 @@
           <a:p>
             <a:fld id="{64BFBD94-34AA-49A5-B8E8-D79CDDB19BEC}" type="datetime1">
               <a:rPr lang="en-US" smtClean="0"/>
-              <a:t>3/19/2019</a:t>
+              <a:t>3/20/2019</a:t>
             </a:fld>
             <a:endParaRPr lang="en-US"/>
           </a:p>
@@ -5163,13 +5144,18 @@
           <a:lstStyle/>
           <a:p>
             <a:r>
-              <a:rPr lang="en-US" b="1" dirty="0">
+              <a:rPr lang="en-US" b="1" dirty="0" smtClean="0">
                 <a:solidFill>
                   <a:srgbClr val="FF0000"/>
                 </a:solidFill>
               </a:rPr>
-              <a:t>Citation</a:t>
-            </a:r>
+              <a:t>Citations</a:t>
+            </a:r>
+            <a:endParaRPr lang="en-US" b="1" dirty="0">
+              <a:solidFill>
+                <a:srgbClr val="FF0000"/>
+              </a:solidFill>
+            </a:endParaRPr>
           </a:p>
         </p:txBody>
       </p:sp>
@@ -5254,7 +5240,7 @@
           <a:p>
             <a:fld id="{D9AA6724-C48A-47DE-86FC-E949604517FB}" type="datetime1">
               <a:rPr lang="en-US" smtClean="0"/>
-              <a:t>3/19/2019</a:t>
+              <a:t>3/20/2019</a:t>
             </a:fld>
             <a:endParaRPr lang="en-US"/>
           </a:p>
@@ -5944,14 +5930,32 @@
           <a:p>
             <a:r>
               <a:rPr lang="en-US" dirty="0" smtClean="0"/>
+              <a:t>Routing requests</a:t>
+            </a:r>
+            <a:endParaRPr lang="en-US" dirty="0" smtClean="0"/>
+          </a:p>
+          <a:p>
+            <a:r>
+              <a:rPr lang="en-US" dirty="0" smtClean="0"/>
               <a:t>Flow of data and things</a:t>
             </a:r>
           </a:p>
           <a:p>
             <a:r>
               <a:rPr lang="en-US" dirty="0" smtClean="0"/>
-              <a:t>Defining Routing</a:t>
-            </a:r>
+              <a:t>Defining </a:t>
+            </a:r>
+            <a:r>
+              <a:rPr lang="en-US" dirty="0" smtClean="0"/>
+              <a:t>Routing</a:t>
+            </a:r>
+          </a:p>
+          <a:p>
+            <a:r>
+              <a:rPr lang="en-US" dirty="0" smtClean="0"/>
+              <a:t>Callback Functions</a:t>
+            </a:r>
+            <a:endParaRPr lang="en-US" dirty="0" smtClean="0"/>
           </a:p>
           <a:p>
             <a:r>
@@ -5960,12 +5964,6 @@
             </a:r>
           </a:p>
           <a:p>
-            <a:r>
-              <a:rPr lang="en-US" dirty="0" smtClean="0"/>
-              <a:t>Routing in middle ware</a:t>
-            </a:r>
-          </a:p>
-          <a:p>
             <a:endParaRPr lang="en-US" dirty="0"/>
           </a:p>
         </p:txBody>
@@ -5987,7 +5985,7 @@
           <a:p>
             <a:fld id="{A35D7D12-A804-4BCD-9C87-190E69A0E30F}" type="datetime1">
               <a:rPr lang="en-US" smtClean="0"/>
-              <a:t>3/19/2019</a:t>
+              <a:t>3/20/2019</a:t>
             </a:fld>
             <a:endParaRPr lang="en-US"/>
           </a:p>
@@ -6009,12 +6007,8 @@
           <a:lstStyle/>
           <a:p>
             <a:r>
-              <a:rPr lang="en-US" dirty="0" err="1" smtClean="0"/>
-              <a:t>Raghavendar</a:t>
-            </a:r>
-            <a:r>
-              <a:rPr lang="en-US" dirty="0" smtClean="0"/>
-              <a:t> Reddy</a:t>
+              <a:rPr lang="en-US" smtClean="0"/>
+              <a:t>Bhavani Pathuri</a:t>
             </a:r>
             <a:endParaRPr lang="en-US" dirty="0"/>
           </a:p>
@@ -6161,7 +6155,7 @@
           <a:p>
             <a:fld id="{428C33CC-38D1-47A3-914B-75AAC1A9BE68}" type="datetime1">
               <a:rPr lang="en-US" smtClean="0"/>
-              <a:t>3/19/2019</a:t>
+              <a:t>3/20/2019</a:t>
             </a:fld>
             <a:endParaRPr lang="en-US"/>
           </a:p>
@@ -6183,13 +6177,10 @@
           <a:lstStyle/>
           <a:p>
             <a:r>
-              <a:rPr lang="en-US" dirty="0" err="1"/>
-              <a:t>Raghavendar</a:t>
-            </a:r>
-            <a:r>
-              <a:rPr lang="en-US" dirty="0"/>
-              <a:t> Reddy</a:t>
-            </a:r>
+              <a:rPr lang="en-US" smtClean="0"/>
+              <a:t>Bhavani Pathuri</a:t>
+            </a:r>
+            <a:endParaRPr lang="en-US" dirty="0"/>
           </a:p>
         </p:txBody>
       </p:sp>
@@ -6346,7 +6337,7 @@
           <a:p>
             <a:fld id="{86B611FE-F3D7-4BFD-A4B2-DED4BB1F82B9}" type="datetime1">
               <a:rPr lang="en-US" smtClean="0"/>
-              <a:t>3/19/2019</a:t>
+              <a:t>3/20/2019</a:t>
             </a:fld>
             <a:endParaRPr lang="en-US"/>
           </a:p>
@@ -6368,13 +6359,10 @@
           <a:lstStyle/>
           <a:p>
             <a:r>
-              <a:rPr lang="en-US" dirty="0" err="1"/>
-              <a:t>Raghavendar</a:t>
-            </a:r>
-            <a:r>
-              <a:rPr lang="en-US" dirty="0"/>
-              <a:t> Reddy</a:t>
-            </a:r>
+              <a:rPr lang="en-US" smtClean="0"/>
+              <a:t>Bhavani Pathuri</a:t>
+            </a:r>
+            <a:endParaRPr lang="en-US" dirty="0"/>
           </a:p>
         </p:txBody>
       </p:sp>
@@ -6521,9 +6509,9 @@
           <a:p>
             <a:fld id="{32D6C472-C63D-43E2-9891-0A057FB30AB1}" type="datetime1">
               <a:rPr lang="en-US" smtClean="0"/>
-              <a:t>3/19/2019</a:t>
+              <a:t>3/20/2019</a:t>
             </a:fld>
-            <a:endParaRPr lang="en-US"/>
+            <a:endParaRPr lang="en-US" dirty="0"/>
           </a:p>
         </p:txBody>
       </p:sp>
@@ -6543,7 +6531,7 @@
           <a:lstStyle/>
           <a:p>
             <a:r>
-              <a:rPr lang="en-US" dirty="0" smtClean="0"/>
+              <a:rPr lang="en-US" dirty="0"/>
               <a:t>Pradeepkumar Theegala</a:t>
             </a:r>
             <a:endParaRPr lang="en-US" dirty="0"/>
@@ -6685,7 +6673,7 @@
           <a:p>
             <a:fld id="{2723A2C7-DB56-49B2-B13F-EDCF7E737B38}" type="datetime1">
               <a:rPr lang="en-US" smtClean="0"/>
-              <a:t>3/19/2019</a:t>
+              <a:t>3/20/2019</a:t>
             </a:fld>
             <a:endParaRPr lang="en-US"/>
           </a:p>
@@ -6707,7 +6695,7 @@
           <a:lstStyle/>
           <a:p>
             <a:r>
-              <a:rPr lang="en-US" dirty="0" smtClean="0"/>
+              <a:rPr lang="en-US" dirty="0"/>
               <a:t>Pradeepkumar Theegala</a:t>
             </a:r>
             <a:endParaRPr lang="en-US" dirty="0"/>
@@ -6984,9 +6972,9 @@
           <a:p>
             <a:fld id="{844A7042-B08C-45E6-809A-3AD75885AC9C}" type="datetime1">
               <a:rPr lang="en-US" smtClean="0"/>
-              <a:t>3/19/2019</a:t>
+              <a:t>3/20/2019</a:t>
             </a:fld>
-            <a:endParaRPr lang="en-US"/>
+            <a:endParaRPr lang="en-US" dirty="0"/>
           </a:p>
         </p:txBody>
       </p:sp>
@@ -7006,7 +6994,7 @@
           <a:lstStyle/>
           <a:p>
             <a:r>
-              <a:rPr lang="en-US" dirty="0" smtClean="0"/>
+              <a:rPr lang="en-US" dirty="0"/>
               <a:t>Pradeepkumar Theegala</a:t>
             </a:r>
             <a:endParaRPr lang="en-US" dirty="0"/>
@@ -7194,7 +7182,7 @@
           <a:p>
             <a:fld id="{69C9D77D-11BC-4841-9C8E-49FB5463B02A}" type="datetime1">
               <a:rPr lang="en-US" smtClean="0"/>
-              <a:t>3/19/2019</a:t>
+              <a:t>3/20/2019</a:t>
             </a:fld>
             <a:endParaRPr lang="en-US"/>
           </a:p>
@@ -7216,7 +7204,7 @@
           <a:lstStyle/>
           <a:p>
             <a:r>
-              <a:rPr lang="en-US" dirty="0" smtClean="0"/>
+              <a:rPr lang="en-US" dirty="0"/>
               <a:t>Pradeepkumar Theegala</a:t>
             </a:r>
             <a:endParaRPr lang="en-US" dirty="0"/>
